--- a/es6分享.pptx
+++ b/es6分享.pptx
@@ -6,7 +6,7 @@
     <p:sldMasterId id="2147483674" r:id="rId2"/>
   </p:sldMasterIdLst>
   <p:notesMasterIdLst>
-    <p:notesMasterId r:id="rId20"/>
+    <p:notesMasterId r:id="rId23"/>
   </p:notesMasterIdLst>
   <p:sldIdLst>
     <p:sldId id="256" r:id="rId3"/>
@@ -26,6 +26,9 @@
     <p:sldId id="271" r:id="rId17"/>
     <p:sldId id="272" r:id="rId18"/>
     <p:sldId id="273" r:id="rId19"/>
+    <p:sldId id="274" r:id="rId20"/>
+    <p:sldId id="275" r:id="rId21"/>
+    <p:sldId id="276" r:id="rId22"/>
   </p:sldIdLst>
   <p:sldSz cx="9144000" cy="5143500" type="screen16x9"/>
   <p:notesSz cx="6858000" cy="9144000"/>
@@ -231,6 +234,11 @@
       </a:defRPr>
     </a:lvl9pPr>
   </p:defaultTextStyle>
+  <p:extLst>
+    <p:ext uri="{EFAFB233-063F-42B5-8137-9DF3F51BA10A}">
+      <p15:sldGuideLst xmlns:p15="http://schemas.microsoft.com/office/powerpoint/2012/main"/>
+    </p:ext>
+  </p:extLst>
 </p:presentation>
 </file>
 
@@ -1497,6 +1505,226 @@
 </p:notes>
 </file>
 
+<file path=ppt/notesSlides/notesSlide18.xml><?xml version="1.0" encoding="utf-8"?>
+<p:notes xmlns:a="http://schemas.openxmlformats.org/drawingml/2006/main" xmlns:r="http://schemas.openxmlformats.org/officeDocument/2006/relationships" xmlns:p="http://schemas.openxmlformats.org/presentationml/2006/main" showMasterSp="0" showMasterPhAnim="0">
+  <p:cSld>
+    <p:spTree>
+      <p:nvGrpSpPr>
+        <p:cNvPr id="1" name="Shape 149"/>
+        <p:cNvGrpSpPr/>
+        <p:nvPr/>
+      </p:nvGrpSpPr>
+      <p:grpSpPr>
+        <a:xfrm>
+          <a:off x="0" y="0"/>
+          <a:ext cx="0" cy="0"/>
+          <a:chOff x="0" y="0"/>
+          <a:chExt cx="0" cy="0"/>
+        </a:xfrm>
+      </p:grpSpPr>
+      <p:sp>
+        <p:nvSpPr>
+          <p:cNvPr id="150" name="Shape 150"/>
+          <p:cNvSpPr txBox="1">
+            <a:spLocks noGrp="1"/>
+          </p:cNvSpPr>
+          <p:nvPr>
+            <p:ph type="body" idx="1"/>
+          </p:nvPr>
+        </p:nvSpPr>
+        <p:spPr>
+          <a:xfrm>
+            <a:off x="685800" y="4343400"/>
+            <a:ext cx="5486400" cy="4114800"/>
+          </a:xfrm>
+          <a:prstGeom prst="rect">
+            <a:avLst/>
+          </a:prstGeom>
+          <a:noFill/>
+          <a:ln>
+            <a:noFill/>
+          </a:ln>
+        </p:spPr>
+        <p:txBody>
+          <a:bodyPr wrap="square" lIns="91425" tIns="91425" rIns="91425" bIns="91425" anchor="ctr" anchorCtr="0">
+            <a:noAutofit/>
+          </a:bodyPr>
+          <a:lstStyle/>
+          <a:p>
+            <a:pPr lvl="0" rtl="0">
+              <a:spcBef>
+                <a:spcPts val="0"/>
+              </a:spcBef>
+              <a:buNone/>
+            </a:pPr>
+            <a:endParaRPr dirty="0"/>
+          </a:p>
+        </p:txBody>
+      </p:sp>
+      <p:sp>
+        <p:nvSpPr>
+          <p:cNvPr id="151" name="Shape 151"/>
+          <p:cNvSpPr>
+            <a:spLocks noGrp="1" noRot="1" noChangeAspect="1"/>
+          </p:cNvSpPr>
+          <p:nvPr>
+            <p:ph type="sldImg" idx="2"/>
+          </p:nvPr>
+        </p:nvSpPr>
+        <p:spPr>
+          <a:xfrm>
+            <a:off x="381000" y="685800"/>
+            <a:ext cx="6096000" cy="3429000"/>
+          </a:xfrm>
+          <a:custGeom>
+            <a:avLst/>
+            <a:gdLst/>
+            <a:ahLst/>
+            <a:cxnLst/>
+            <a:rect l="0" t="0" r="0" b="0"/>
+            <a:pathLst>
+              <a:path w="120000" h="120000" extrusionOk="0">
+                <a:moveTo>
+                  <a:pt x="0" y="0"/>
+                </a:moveTo>
+                <a:lnTo>
+                  <a:pt x="120000" y="0"/>
+                </a:lnTo>
+                <a:lnTo>
+                  <a:pt x="120000" y="120000"/>
+                </a:lnTo>
+                <a:lnTo>
+                  <a:pt x="0" y="120000"/>
+                </a:lnTo>
+                <a:close/>
+              </a:path>
+            </a:pathLst>
+          </a:custGeom>
+        </p:spPr>
+      </p:sp>
+    </p:spTree>
+    <p:extLst>
+      <p:ext uri="{BB962C8B-B14F-4D97-AF65-F5344CB8AC3E}">
+        <p14:creationId xmlns:p14="http://schemas.microsoft.com/office/powerpoint/2010/main" val="1036151733"/>
+      </p:ext>
+    </p:extLst>
+  </p:cSld>
+  <p:clrMapOvr>
+    <a:masterClrMapping/>
+  </p:clrMapOvr>
+</p:notes>
+</file>
+
+<file path=ppt/notesSlides/notesSlide19.xml><?xml version="1.0" encoding="utf-8"?>
+<p:notes xmlns:a="http://schemas.openxmlformats.org/drawingml/2006/main" xmlns:r="http://schemas.openxmlformats.org/officeDocument/2006/relationships" xmlns:p="http://schemas.openxmlformats.org/presentationml/2006/main" showMasterSp="0" showMasterPhAnim="0">
+  <p:cSld>
+    <p:spTree>
+      <p:nvGrpSpPr>
+        <p:cNvPr id="1" name="Shape 149"/>
+        <p:cNvGrpSpPr/>
+        <p:nvPr/>
+      </p:nvGrpSpPr>
+      <p:grpSpPr>
+        <a:xfrm>
+          <a:off x="0" y="0"/>
+          <a:ext cx="0" cy="0"/>
+          <a:chOff x="0" y="0"/>
+          <a:chExt cx="0" cy="0"/>
+        </a:xfrm>
+      </p:grpSpPr>
+      <p:sp>
+        <p:nvSpPr>
+          <p:cNvPr id="150" name="Shape 150"/>
+          <p:cNvSpPr txBox="1">
+            <a:spLocks noGrp="1"/>
+          </p:cNvSpPr>
+          <p:nvPr>
+            <p:ph type="body" idx="1"/>
+          </p:nvPr>
+        </p:nvSpPr>
+        <p:spPr>
+          <a:xfrm>
+            <a:off x="685800" y="4343400"/>
+            <a:ext cx="5486400" cy="4114800"/>
+          </a:xfrm>
+          <a:prstGeom prst="rect">
+            <a:avLst/>
+          </a:prstGeom>
+          <a:noFill/>
+          <a:ln>
+            <a:noFill/>
+          </a:ln>
+        </p:spPr>
+        <p:txBody>
+          <a:bodyPr wrap="square" lIns="91425" tIns="91425" rIns="91425" bIns="91425" anchor="ctr" anchorCtr="0">
+            <a:noAutofit/>
+          </a:bodyPr>
+          <a:lstStyle/>
+          <a:p>
+            <a:pPr lvl="0" rtl="0">
+              <a:spcBef>
+                <a:spcPts val="0"/>
+              </a:spcBef>
+              <a:buNone/>
+            </a:pPr>
+            <a:endParaRPr dirty="0"/>
+          </a:p>
+        </p:txBody>
+      </p:sp>
+      <p:sp>
+        <p:nvSpPr>
+          <p:cNvPr id="151" name="Shape 151"/>
+          <p:cNvSpPr>
+            <a:spLocks noGrp="1" noRot="1" noChangeAspect="1"/>
+          </p:cNvSpPr>
+          <p:nvPr>
+            <p:ph type="sldImg" idx="2"/>
+          </p:nvPr>
+        </p:nvSpPr>
+        <p:spPr>
+          <a:xfrm>
+            <a:off x="381000" y="685800"/>
+            <a:ext cx="6096000" cy="3429000"/>
+          </a:xfrm>
+          <a:custGeom>
+            <a:avLst/>
+            <a:gdLst/>
+            <a:ahLst/>
+            <a:cxnLst/>
+            <a:rect l="0" t="0" r="0" b="0"/>
+            <a:pathLst>
+              <a:path w="120000" h="120000" extrusionOk="0">
+                <a:moveTo>
+                  <a:pt x="0" y="0"/>
+                </a:moveTo>
+                <a:lnTo>
+                  <a:pt x="120000" y="0"/>
+                </a:lnTo>
+                <a:lnTo>
+                  <a:pt x="120000" y="120000"/>
+                </a:lnTo>
+                <a:lnTo>
+                  <a:pt x="0" y="120000"/>
+                </a:lnTo>
+                <a:close/>
+              </a:path>
+            </a:pathLst>
+          </a:custGeom>
+        </p:spPr>
+      </p:sp>
+    </p:spTree>
+    <p:extLst>
+      <p:ext uri="{BB962C8B-B14F-4D97-AF65-F5344CB8AC3E}">
+        <p14:creationId xmlns:p14="http://schemas.microsoft.com/office/powerpoint/2010/main" val="333747207"/>
+      </p:ext>
+    </p:extLst>
+  </p:cSld>
+  <p:clrMapOvr>
+    <a:masterClrMapping/>
+  </p:clrMapOvr>
+</p:notes>
+</file>
+
 <file path=ppt/notesSlides/notesSlide2.xml><?xml version="1.0" encoding="utf-8"?>
 <p:notes xmlns:a="http://schemas.openxmlformats.org/drawingml/2006/main" xmlns:r="http://schemas.openxmlformats.org/officeDocument/2006/relationships" xmlns:p="http://schemas.openxmlformats.org/presentationml/2006/main" showMasterSp="0" showMasterPhAnim="0">
   <p:cSld>
@@ -1598,6 +1826,128 @@
     <p:extLst>
       <p:ext uri="{BB962C8B-B14F-4D97-AF65-F5344CB8AC3E}">
         <p14:creationId xmlns:p14="http://schemas.microsoft.com/office/powerpoint/2010/main" val="103495008"/>
+      </p:ext>
+    </p:extLst>
+  </p:cSld>
+  <p:clrMapOvr>
+    <a:masterClrMapping/>
+  </p:clrMapOvr>
+</p:notes>
+</file>
+
+<file path=ppt/notesSlides/notesSlide20.xml><?xml version="1.0" encoding="utf-8"?>
+<p:notes xmlns:a="http://schemas.openxmlformats.org/drawingml/2006/main" xmlns:r="http://schemas.openxmlformats.org/officeDocument/2006/relationships" xmlns:p="http://schemas.openxmlformats.org/presentationml/2006/main" showMasterSp="0" showMasterPhAnim="0">
+  <p:cSld>
+    <p:spTree>
+      <p:nvGrpSpPr>
+        <p:cNvPr id="1" name="Shape 130"/>
+        <p:cNvGrpSpPr/>
+        <p:nvPr/>
+      </p:nvGrpSpPr>
+      <p:grpSpPr>
+        <a:xfrm>
+          <a:off x="0" y="0"/>
+          <a:ext cx="0" cy="0"/>
+          <a:chOff x="0" y="0"/>
+          <a:chExt cx="0" cy="0"/>
+        </a:xfrm>
+      </p:grpSpPr>
+      <p:sp>
+        <p:nvSpPr>
+          <p:cNvPr id="131" name="Shape 131"/>
+          <p:cNvSpPr>
+            <a:spLocks noGrp="1" noRot="1" noChangeAspect="1"/>
+          </p:cNvSpPr>
+          <p:nvPr>
+            <p:ph type="sldImg" idx="2"/>
+          </p:nvPr>
+        </p:nvSpPr>
+        <p:spPr>
+          <a:xfrm>
+            <a:off x="381000" y="685800"/>
+            <a:ext cx="6096000" cy="3429000"/>
+          </a:xfrm>
+          <a:custGeom>
+            <a:avLst/>
+            <a:gdLst/>
+            <a:ahLst/>
+            <a:cxnLst/>
+            <a:rect l="0" t="0" r="0" b="0"/>
+            <a:pathLst>
+              <a:path w="120000" h="120000" extrusionOk="0">
+                <a:moveTo>
+                  <a:pt x="0" y="0"/>
+                </a:moveTo>
+                <a:lnTo>
+                  <a:pt x="120000" y="0"/>
+                </a:lnTo>
+                <a:lnTo>
+                  <a:pt x="120000" y="120000"/>
+                </a:lnTo>
+                <a:lnTo>
+                  <a:pt x="0" y="120000"/>
+                </a:lnTo>
+                <a:close/>
+              </a:path>
+            </a:pathLst>
+          </a:custGeom>
+          <a:noFill/>
+          <a:ln>
+            <a:noFill/>
+          </a:ln>
+        </p:spPr>
+      </p:sp>
+      <p:sp>
+        <p:nvSpPr>
+          <p:cNvPr id="132" name="Shape 132"/>
+          <p:cNvSpPr txBox="1">
+            <a:spLocks noGrp="1"/>
+          </p:cNvSpPr>
+          <p:nvPr>
+            <p:ph type="body" idx="1"/>
+          </p:nvPr>
+        </p:nvSpPr>
+        <p:spPr>
+          <a:xfrm>
+            <a:off x="685800" y="4343400"/>
+            <a:ext cx="5486400" cy="4114800"/>
+          </a:xfrm>
+          <a:prstGeom prst="rect">
+            <a:avLst/>
+          </a:prstGeom>
+          <a:noFill/>
+          <a:ln>
+            <a:noFill/>
+          </a:ln>
+        </p:spPr>
+        <p:txBody>
+          <a:bodyPr wrap="square" lIns="91425" tIns="45700" rIns="91425" bIns="45700" anchor="t" anchorCtr="0">
+            <a:noAutofit/>
+          </a:bodyPr>
+          <a:lstStyle/>
+          <a:p>
+            <a:pPr marL="0" marR="0" lvl="0" indent="0" algn="l" rtl="0">
+              <a:spcBef>
+                <a:spcPts val="0"/>
+              </a:spcBef>
+              <a:buNone/>
+            </a:pPr>
+            <a:endParaRPr sz="1200" b="0" i="0" u="none" strike="noStrike" cap="none">
+              <a:solidFill>
+                <a:schemeClr val="dk1"/>
+              </a:solidFill>
+              <a:latin typeface="Calibri"/>
+              <a:ea typeface="Calibri"/>
+              <a:cs typeface="Calibri"/>
+              <a:sym typeface="Calibri"/>
+            </a:endParaRPr>
+          </a:p>
+        </p:txBody>
+      </p:sp>
+    </p:spTree>
+    <p:extLst>
+      <p:ext uri="{BB962C8B-B14F-4D97-AF65-F5344CB8AC3E}">
+        <p14:creationId xmlns:p14="http://schemas.microsoft.com/office/powerpoint/2010/main" val="1395529081"/>
       </p:ext>
     </p:extLst>
   </p:cSld>
@@ -17091,8 +17441,8 @@
         </p:nvSpPr>
         <p:spPr>
           <a:xfrm>
-            <a:off x="2544004" y="764449"/>
-            <a:ext cx="5999968" cy="400110"/>
+            <a:off x="3161062" y="640761"/>
+            <a:ext cx="2480173" cy="400110"/>
           </a:xfrm>
           <a:prstGeom prst="rect">
             <a:avLst/>
@@ -17107,7 +17457,173 @@
           <a:p>
             <a:r>
               <a:rPr kumimoji="1" lang="zh-CN" altLang="en-US" sz="2000" dirty="0" smtClean="0"/>
-              <a:t>最佳实践</a:t>
+              <a:t>多层回调</a:t>
+            </a:r>
+            <a:endParaRPr kumimoji="1" lang="zh-CN" altLang="en-US" sz="2000" dirty="0"/>
+          </a:p>
+        </p:txBody>
+      </p:sp>
+      <p:pic>
+        <p:nvPicPr>
+          <p:cNvPr id="5" name="图片 4"/>
+          <p:cNvPicPr>
+            <a:picLocks noChangeAspect="1"/>
+          </p:cNvPicPr>
+          <p:nvPr/>
+        </p:nvPicPr>
+        <p:blipFill>
+          <a:blip r:embed="rId3"/>
+          <a:stretch>
+            <a:fillRect/>
+          </a:stretch>
+        </p:blipFill>
+        <p:spPr>
+          <a:xfrm>
+            <a:off x="1125357" y="1164558"/>
+            <a:ext cx="6551584" cy="3726166"/>
+          </a:xfrm>
+          <a:prstGeom prst="rect">
+            <a:avLst/>
+          </a:prstGeom>
+        </p:spPr>
+      </p:pic>
+    </p:spTree>
+    <p:extLst>
+      <p:ext uri="{BB962C8B-B14F-4D97-AF65-F5344CB8AC3E}">
+        <p14:creationId xmlns:p14="http://schemas.microsoft.com/office/powerpoint/2010/main" val="1131601068"/>
+      </p:ext>
+    </p:extLst>
+  </p:cSld>
+  <p:clrMapOvr>
+    <a:masterClrMapping/>
+  </p:clrMapOvr>
+</p:sld>
+</file>
+
+<file path=ppt/slides/slide18.xml><?xml version="1.0" encoding="utf-8"?>
+<p:sld xmlns:a="http://schemas.openxmlformats.org/drawingml/2006/main" xmlns:r="http://schemas.openxmlformats.org/officeDocument/2006/relationships" xmlns:p="http://schemas.openxmlformats.org/presentationml/2006/main">
+  <p:cSld>
+    <p:spTree>
+      <p:nvGrpSpPr>
+        <p:cNvPr id="1" name="Shape 152"/>
+        <p:cNvGrpSpPr/>
+        <p:nvPr/>
+      </p:nvGrpSpPr>
+      <p:grpSpPr>
+        <a:xfrm>
+          <a:off x="0" y="0"/>
+          <a:ext cx="0" cy="0"/>
+          <a:chOff x="0" y="0"/>
+          <a:chExt cx="0" cy="0"/>
+        </a:xfrm>
+      </p:grpSpPr>
+      <p:sp>
+        <p:nvSpPr>
+          <p:cNvPr id="153" name="Shape 153"/>
+          <p:cNvSpPr txBox="1"/>
+          <p:nvPr/>
+        </p:nvSpPr>
+        <p:spPr>
+          <a:xfrm>
+            <a:off x="2681790" y="87474"/>
+            <a:ext cx="3186300" cy="429600"/>
+          </a:xfrm>
+          <a:prstGeom prst="rect">
+            <a:avLst/>
+          </a:prstGeom>
+          <a:noFill/>
+          <a:ln>
+            <a:noFill/>
+          </a:ln>
+        </p:spPr>
+        <p:txBody>
+          <a:bodyPr wrap="square" lIns="68575" tIns="68575" rIns="68575" bIns="68575" anchor="t" anchorCtr="0">
+            <a:noAutofit/>
+          </a:bodyPr>
+          <a:lstStyle/>
+          <a:p>
+            <a:pPr marL="0" marR="0" lvl="0" indent="0" algn="l" rtl="0">
+              <a:lnSpc>
+                <a:spcPct val="100000"/>
+              </a:lnSpc>
+              <a:spcBef>
+                <a:spcPts val="0"/>
+              </a:spcBef>
+              <a:spcAft>
+                <a:spcPts val="0"/>
+              </a:spcAft>
+              <a:buClr>
+                <a:schemeClr val="dk1"/>
+              </a:buClr>
+              <a:buSzPct val="25000"/>
+              <a:buFont typeface="Arial"/>
+              <a:buNone/>
+            </a:pPr>
+            <a:endParaRPr lang="zh-CN" sz="1800" i="0" u="none" strike="noStrike" cap="none" dirty="0">
+              <a:solidFill>
+                <a:schemeClr val="dk1"/>
+              </a:solidFill>
+              <a:latin typeface="Microsoft Yahei"/>
+              <a:ea typeface="Microsoft Yahei"/>
+              <a:cs typeface="Microsoft Yahei"/>
+              <a:sym typeface="Microsoft Yahei"/>
+            </a:endParaRPr>
+          </a:p>
+        </p:txBody>
+      </p:sp>
+      <p:pic>
+        <p:nvPicPr>
+          <p:cNvPr id="2" name="图片 1"/>
+          <p:cNvPicPr>
+            <a:picLocks noChangeAspect="1"/>
+          </p:cNvPicPr>
+          <p:nvPr/>
+        </p:nvPicPr>
+        <p:blipFill>
+          <a:blip r:embed="rId3"/>
+          <a:stretch>
+            <a:fillRect/>
+          </a:stretch>
+        </p:blipFill>
+        <p:spPr>
+          <a:xfrm>
+            <a:off x="0" y="1849179"/>
+            <a:ext cx="9144000" cy="2108332"/>
+          </a:xfrm>
+          <a:prstGeom prst="rect">
+            <a:avLst/>
+          </a:prstGeom>
+        </p:spPr>
+      </p:pic>
+      <p:sp>
+        <p:nvSpPr>
+          <p:cNvPr id="5" name="文本框 4"/>
+          <p:cNvSpPr txBox="1"/>
+          <p:nvPr/>
+        </p:nvSpPr>
+        <p:spPr>
+          <a:xfrm>
+            <a:off x="2681790" y="783016"/>
+            <a:ext cx="1799776" cy="400110"/>
+          </a:xfrm>
+          <a:prstGeom prst="rect">
+            <a:avLst/>
+          </a:prstGeom>
+          <a:noFill/>
+        </p:spPr>
+        <p:txBody>
+          <a:bodyPr wrap="square" rtlCol="0">
+            <a:spAutoFit/>
+          </a:bodyPr>
+          <a:lstStyle/>
+          <a:p>
+            <a:r>
+              <a:rPr kumimoji="1" lang="zh-CN" altLang="en-US" sz="2000" dirty="0" smtClean="0"/>
+              <a:t>嵌套</a:t>
+            </a:r>
+            <a:r>
+              <a:rPr kumimoji="1" lang="en-US" altLang="zh-CN" sz="2000" dirty="0" smtClean="0"/>
+              <a:t>promise</a:t>
             </a:r>
             <a:endParaRPr kumimoji="1" lang="zh-CN" altLang="en-US" sz="2000" dirty="0"/>
           </a:p>
@@ -17116,7 +17632,157 @@
     </p:spTree>
     <p:extLst>
       <p:ext uri="{BB962C8B-B14F-4D97-AF65-F5344CB8AC3E}">
-        <p14:creationId xmlns:p14="http://schemas.microsoft.com/office/powerpoint/2010/main" val="1131601068"/>
+        <p14:creationId xmlns:p14="http://schemas.microsoft.com/office/powerpoint/2010/main" val="2054398657"/>
+      </p:ext>
+    </p:extLst>
+  </p:cSld>
+  <p:clrMapOvr>
+    <a:masterClrMapping/>
+  </p:clrMapOvr>
+</p:sld>
+</file>
+
+<file path=ppt/slides/slide19.xml><?xml version="1.0" encoding="utf-8"?>
+<p:sld xmlns:a="http://schemas.openxmlformats.org/drawingml/2006/main" xmlns:r="http://schemas.openxmlformats.org/officeDocument/2006/relationships" xmlns:p="http://schemas.openxmlformats.org/presentationml/2006/main">
+  <p:cSld>
+    <p:spTree>
+      <p:nvGrpSpPr>
+        <p:cNvPr id="1" name="Shape 152"/>
+        <p:cNvGrpSpPr/>
+        <p:nvPr/>
+      </p:nvGrpSpPr>
+      <p:grpSpPr>
+        <a:xfrm>
+          <a:off x="0" y="0"/>
+          <a:ext cx="0" cy="0"/>
+          <a:chOff x="0" y="0"/>
+          <a:chExt cx="0" cy="0"/>
+        </a:xfrm>
+      </p:grpSpPr>
+      <p:sp>
+        <p:nvSpPr>
+          <p:cNvPr id="153" name="Shape 153"/>
+          <p:cNvSpPr txBox="1"/>
+          <p:nvPr/>
+        </p:nvSpPr>
+        <p:spPr>
+          <a:xfrm>
+            <a:off x="2681790" y="87474"/>
+            <a:ext cx="3186300" cy="429600"/>
+          </a:xfrm>
+          <a:prstGeom prst="rect">
+            <a:avLst/>
+          </a:prstGeom>
+          <a:noFill/>
+          <a:ln>
+            <a:noFill/>
+          </a:ln>
+        </p:spPr>
+        <p:txBody>
+          <a:bodyPr wrap="square" lIns="68575" tIns="68575" rIns="68575" bIns="68575" anchor="t" anchorCtr="0">
+            <a:noAutofit/>
+          </a:bodyPr>
+          <a:lstStyle/>
+          <a:p>
+            <a:pPr marL="0" marR="0" lvl="0" indent="0" algn="l" rtl="0">
+              <a:lnSpc>
+                <a:spcPct val="100000"/>
+              </a:lnSpc>
+              <a:spcBef>
+                <a:spcPts val="0"/>
+              </a:spcBef>
+              <a:spcAft>
+                <a:spcPts val="0"/>
+              </a:spcAft>
+              <a:buClr>
+                <a:schemeClr val="dk1"/>
+              </a:buClr>
+              <a:buSzPct val="25000"/>
+              <a:buFont typeface="Arial"/>
+              <a:buNone/>
+            </a:pPr>
+            <a:endParaRPr lang="zh-CN" sz="1800" i="0" u="none" strike="noStrike" cap="none" dirty="0">
+              <a:solidFill>
+                <a:schemeClr val="dk1"/>
+              </a:solidFill>
+              <a:latin typeface="Microsoft Yahei"/>
+              <a:ea typeface="Microsoft Yahei"/>
+              <a:cs typeface="Microsoft Yahei"/>
+              <a:sym typeface="Microsoft Yahei"/>
+            </a:endParaRPr>
+          </a:p>
+        </p:txBody>
+      </p:sp>
+      <p:sp>
+        <p:nvSpPr>
+          <p:cNvPr id="5" name="文本框 4"/>
+          <p:cNvSpPr txBox="1"/>
+          <p:nvPr/>
+        </p:nvSpPr>
+        <p:spPr>
+          <a:xfrm>
+            <a:off x="3274643" y="736515"/>
+            <a:ext cx="1799776" cy="400110"/>
+          </a:xfrm>
+          <a:prstGeom prst="rect">
+            <a:avLst/>
+          </a:prstGeom>
+          <a:noFill/>
+        </p:spPr>
+        <p:txBody>
+          <a:bodyPr wrap="square" rtlCol="0">
+            <a:spAutoFit/>
+          </a:bodyPr>
+          <a:lstStyle/>
+          <a:p>
+            <a:r>
+              <a:rPr kumimoji="1" lang="en-US" altLang="zh-CN" sz="2000" dirty="0" err="1" smtClean="0"/>
+              <a:t>a</a:t>
+            </a:r>
+            <a:r>
+              <a:rPr kumimoji="1" lang="en-US" altLang="zh-CN" sz="2000" dirty="0" err="1" smtClean="0"/>
+              <a:t>sync</a:t>
+            </a:r>
+            <a:r>
+              <a:rPr kumimoji="1" lang="zh-CN" altLang="en-US" sz="2000" dirty="0" smtClean="0"/>
+              <a:t> </a:t>
+            </a:r>
+            <a:r>
+              <a:rPr kumimoji="1" lang="en-US" altLang="zh-CN" sz="2000" dirty="0" smtClean="0"/>
+              <a:t>await</a:t>
+            </a:r>
+            <a:endParaRPr kumimoji="1" lang="zh-CN" altLang="en-US" sz="2000" dirty="0"/>
+          </a:p>
+        </p:txBody>
+      </p:sp>
+      <p:pic>
+        <p:nvPicPr>
+          <p:cNvPr id="3" name="图片 2"/>
+          <p:cNvPicPr>
+            <a:picLocks noChangeAspect="1"/>
+          </p:cNvPicPr>
+          <p:nvPr/>
+        </p:nvPicPr>
+        <p:blipFill>
+          <a:blip r:embed="rId3"/>
+          <a:stretch>
+            <a:fillRect/>
+          </a:stretch>
+        </p:blipFill>
+        <p:spPr>
+          <a:xfrm>
+            <a:off x="1335371" y="1356067"/>
+            <a:ext cx="6292389" cy="3787433"/>
+          </a:xfrm>
+          <a:prstGeom prst="rect">
+            <a:avLst/>
+          </a:prstGeom>
+        </p:spPr>
+      </p:pic>
+    </p:spTree>
+    <p:extLst>
+      <p:ext uri="{BB962C8B-B14F-4D97-AF65-F5344CB8AC3E}">
+        <p14:creationId xmlns:p14="http://schemas.microsoft.com/office/powerpoint/2010/main" val="1183838266"/>
       </p:ext>
     </p:extLst>
   </p:cSld>
@@ -17306,6 +17972,167 @@
     <p:extLst>
       <p:ext uri="{BB962C8B-B14F-4D97-AF65-F5344CB8AC3E}">
         <p14:creationId xmlns:p14="http://schemas.microsoft.com/office/powerpoint/2010/main" val="1201073944"/>
+      </p:ext>
+    </p:extLst>
+  </p:cSld>
+  <p:clrMapOvr>
+    <a:masterClrMapping/>
+  </p:clrMapOvr>
+</p:sld>
+</file>
+
+<file path=ppt/slides/slide20.xml><?xml version="1.0" encoding="utf-8"?>
+<p:sld xmlns:a="http://schemas.openxmlformats.org/drawingml/2006/main" xmlns:r="http://schemas.openxmlformats.org/officeDocument/2006/relationships" xmlns:p="http://schemas.openxmlformats.org/presentationml/2006/main">
+  <p:cSld>
+    <p:spTree>
+      <p:nvGrpSpPr>
+        <p:cNvPr id="1" name="Shape 133"/>
+        <p:cNvGrpSpPr/>
+        <p:nvPr/>
+      </p:nvGrpSpPr>
+      <p:grpSpPr>
+        <a:xfrm>
+          <a:off x="0" y="0"/>
+          <a:ext cx="0" cy="0"/>
+          <a:chOff x="0" y="0"/>
+          <a:chExt cx="0" cy="0"/>
+        </a:xfrm>
+      </p:grpSpPr>
+      <p:pic>
+        <p:nvPicPr>
+          <p:cNvPr id="134" name="Shape 134" descr="ppt.jpg"/>
+          <p:cNvPicPr preferRelativeResize="0"/>
+          <p:nvPr/>
+        </p:nvPicPr>
+        <p:blipFill rotWithShape="1">
+          <a:blip r:embed="rId3">
+            <a:alphaModFix/>
+          </a:blip>
+          <a:srcRect/>
+          <a:stretch/>
+        </p:blipFill>
+        <p:spPr>
+          <a:xfrm>
+            <a:off x="0" y="0"/>
+            <a:ext cx="9144000" cy="5143500"/>
+          </a:xfrm>
+          <a:prstGeom prst="rect">
+            <a:avLst/>
+          </a:prstGeom>
+          <a:noFill/>
+          <a:ln>
+            <a:noFill/>
+          </a:ln>
+        </p:spPr>
+      </p:pic>
+      <p:sp>
+        <p:nvSpPr>
+          <p:cNvPr id="135" name="Shape 135"/>
+          <p:cNvSpPr txBox="1"/>
+          <p:nvPr/>
+        </p:nvSpPr>
+        <p:spPr>
+          <a:xfrm>
+            <a:off x="1030199" y="2123361"/>
+            <a:ext cx="6684900" cy="577200"/>
+          </a:xfrm>
+          <a:prstGeom prst="rect">
+            <a:avLst/>
+          </a:prstGeom>
+          <a:noFill/>
+          <a:ln>
+            <a:noFill/>
+          </a:ln>
+        </p:spPr>
+        <p:txBody>
+          <a:bodyPr wrap="square" lIns="68575" tIns="34275" rIns="68575" bIns="34275" anchor="t" anchorCtr="0">
+            <a:noAutofit/>
+          </a:bodyPr>
+          <a:lstStyle/>
+          <a:p>
+            <a:pPr lvl="0" algn="ctr">
+              <a:buSzPct val="25000"/>
+            </a:pPr>
+            <a:r>
+              <a:rPr lang="en-US" altLang="zh-CN" sz="3600" dirty="0" smtClean="0"/>
+              <a:t>Thanks </a:t>
+            </a:r>
+            <a:r>
+              <a:rPr lang="en-US" altLang="zh-CN" sz="3600" dirty="0"/>
+              <a:t>for listening</a:t>
+            </a:r>
+            <a:endParaRPr lang="zh-CN" sz="3300" b="1" i="0" u="none" strike="noStrike" cap="none" dirty="0">
+              <a:solidFill>
+                <a:srgbClr val="3F3F3F"/>
+              </a:solidFill>
+              <a:latin typeface="Microsoft Yahei"/>
+              <a:ea typeface="Microsoft Yahei"/>
+              <a:cs typeface="Microsoft Yahei"/>
+              <a:sym typeface="Microsoft Yahei"/>
+            </a:endParaRPr>
+          </a:p>
+        </p:txBody>
+      </p:sp>
+      <p:sp>
+        <p:nvSpPr>
+          <p:cNvPr id="136" name="Shape 136"/>
+          <p:cNvSpPr txBox="1"/>
+          <p:nvPr/>
+        </p:nvSpPr>
+        <p:spPr>
+          <a:xfrm>
+            <a:off x="6516216" y="3273828"/>
+            <a:ext cx="1500174" cy="300082"/>
+          </a:xfrm>
+          <a:prstGeom prst="rect">
+            <a:avLst/>
+          </a:prstGeom>
+          <a:noFill/>
+          <a:ln>
+            <a:noFill/>
+          </a:ln>
+        </p:spPr>
+        <p:txBody>
+          <a:bodyPr wrap="square" lIns="68575" tIns="34275" rIns="68575" bIns="34275" anchor="t" anchorCtr="0">
+            <a:noAutofit/>
+          </a:bodyPr>
+          <a:lstStyle/>
+          <a:p>
+            <a:pPr marL="0" marR="0" lvl="0" indent="0" algn="l" rtl="0">
+              <a:spcBef>
+                <a:spcPts val="0"/>
+              </a:spcBef>
+              <a:buSzPct val="25000"/>
+              <a:buNone/>
+            </a:pPr>
+            <a:r>
+              <a:rPr lang="zh-CN" altLang="en-US" sz="1500" b="0" i="0" u="none" strike="noStrike" cap="none" dirty="0" smtClean="0">
+                <a:solidFill>
+                  <a:srgbClr val="A5A5A5"/>
+                </a:solidFill>
+                <a:latin typeface="Arial"/>
+                <a:ea typeface="Arial"/>
+                <a:cs typeface="Arial"/>
+                <a:sym typeface="Arial"/>
+              </a:rPr>
+              <a:t>郑鑫</a:t>
+            </a:r>
+            <a:endParaRPr lang="zh-CN" sz="1500" b="0" i="0" u="none" strike="noStrike" cap="none" dirty="0">
+              <a:solidFill>
+                <a:srgbClr val="A5A5A5"/>
+              </a:solidFill>
+              <a:latin typeface="Arial"/>
+              <a:ea typeface="Arial"/>
+              <a:cs typeface="Arial"/>
+              <a:sym typeface="Arial"/>
+            </a:endParaRPr>
+          </a:p>
+        </p:txBody>
+      </p:sp>
+    </p:spTree>
+    <p:extLst>
+      <p:ext uri="{BB962C8B-B14F-4D97-AF65-F5344CB8AC3E}">
+        <p14:creationId xmlns:p14="http://schemas.microsoft.com/office/powerpoint/2010/main" val="1010513251"/>
       </p:ext>
     </p:extLst>
   </p:cSld>
